--- a/Database migration.pptx
+++ b/Database migration.pptx
@@ -9725,18 +9725,146 @@
         </p:nvSpPr>
         <p:spPr/>
         <p:txBody>
-          <a:bodyPr/>
+          <a:bodyPr>
+            <a:normAutofit/>
+          </a:bodyPr>
           <a:lstStyle/>
           <a:p>
             <a:r>
-              <a:rPr lang="en-IN" dirty="0"/>
-              <a:t>To migrate bulk data we can use services like Azure Data Box/</a:t>
+              <a:rPr lang="en-IN" sz="2000" dirty="0"/>
+              <a:t>To migrate bulk data we can use services like Azure Data Box/Snow ball</a:t>
             </a:r>
+          </a:p>
+          <a:p>
             <a:r>
-              <a:rPr lang="en-IN"/>
-              <a:t>Snow ball</a:t>
+              <a:rPr lang="en-US" sz="2000" b="0" i="0" dirty="0">
+                <a:solidFill>
+                  <a:srgbClr val="374151"/>
+                </a:solidFill>
+                <a:effectLst/>
+                <a:latin typeface="Söhne"/>
+              </a:rPr>
+              <a:t>Order and Prepare the Azure Data Box</a:t>
             </a:r>
-            <a:endParaRPr lang="en-IN" dirty="0"/>
+            <a:endParaRPr lang="en-IN" sz="2000" b="0" i="0" dirty="0">
+              <a:solidFill>
+                <a:srgbClr val="374151"/>
+              </a:solidFill>
+              <a:effectLst/>
+              <a:latin typeface="Söhne"/>
+            </a:endParaRPr>
+          </a:p>
+          <a:p>
+            <a:r>
+              <a:rPr lang="en-US" sz="2000" b="0" i="0" dirty="0">
+                <a:solidFill>
+                  <a:srgbClr val="374151"/>
+                </a:solidFill>
+                <a:effectLst/>
+                <a:latin typeface="Söhne"/>
+              </a:rPr>
+              <a:t>Create an Azure Data Box job</a:t>
+            </a:r>
+            <a:endParaRPr lang="en-IN" sz="2000" dirty="0">
+              <a:solidFill>
+                <a:srgbClr val="374151"/>
+              </a:solidFill>
+              <a:latin typeface="Söhne"/>
+            </a:endParaRPr>
+          </a:p>
+          <a:p>
+            <a:r>
+              <a:rPr lang="en-US" sz="2000" b="0" i="0" dirty="0">
+                <a:solidFill>
+                  <a:srgbClr val="374151"/>
+                </a:solidFill>
+                <a:effectLst/>
+                <a:latin typeface="Söhne"/>
+              </a:rPr>
+              <a:t>Prepare the data for migration</a:t>
+            </a:r>
+            <a:endParaRPr lang="en-IN" sz="2000" b="0" i="0" dirty="0">
+              <a:solidFill>
+                <a:srgbClr val="374151"/>
+              </a:solidFill>
+              <a:effectLst/>
+              <a:latin typeface="Söhne"/>
+            </a:endParaRPr>
+          </a:p>
+          <a:p>
+            <a:r>
+              <a:rPr lang="en-US" sz="2000" b="0" i="0" dirty="0">
+                <a:solidFill>
+                  <a:srgbClr val="374151"/>
+                </a:solidFill>
+                <a:effectLst/>
+                <a:latin typeface="Söhne"/>
+              </a:rPr>
+              <a:t>Copy data to the Data Box</a:t>
+            </a:r>
+            <a:endParaRPr lang="en-IN" sz="2000" dirty="0">
+              <a:solidFill>
+                <a:srgbClr val="374151"/>
+              </a:solidFill>
+              <a:latin typeface="Söhne"/>
+            </a:endParaRPr>
+          </a:p>
+          <a:p>
+            <a:r>
+              <a:rPr lang="en-US" sz="2000" b="0" i="0" dirty="0">
+                <a:solidFill>
+                  <a:srgbClr val="374151"/>
+                </a:solidFill>
+                <a:effectLst/>
+                <a:latin typeface="Söhne"/>
+              </a:rPr>
+              <a:t>Prepare the Data Box for return</a:t>
+            </a:r>
+            <a:endParaRPr lang="en-IN" sz="2000" b="0" i="0" dirty="0">
+              <a:solidFill>
+                <a:srgbClr val="374151"/>
+              </a:solidFill>
+              <a:effectLst/>
+              <a:latin typeface="Söhne"/>
+            </a:endParaRPr>
+          </a:p>
+          <a:p>
+            <a:r>
+              <a:rPr lang="en-US" sz="2000" b="0" i="0" dirty="0">
+                <a:solidFill>
+                  <a:srgbClr val="374151"/>
+                </a:solidFill>
+                <a:effectLst/>
+                <a:latin typeface="Söhne"/>
+              </a:rPr>
+              <a:t>Data ingestion and migration in Azure</a:t>
+            </a:r>
+            <a:endParaRPr lang="en-IN" sz="2000" dirty="0">
+              <a:solidFill>
+                <a:srgbClr val="374151"/>
+              </a:solidFill>
+              <a:latin typeface="Söhne"/>
+            </a:endParaRPr>
+          </a:p>
+          <a:p>
+            <a:r>
+              <a:rPr lang="en-US" sz="2000" b="0" i="0" dirty="0">
+                <a:solidFill>
+                  <a:srgbClr val="374151"/>
+                </a:solidFill>
+                <a:effectLst/>
+                <a:latin typeface="Söhne"/>
+              </a:rPr>
+              <a:t>Clean up and finalize the migration</a:t>
+            </a:r>
+          </a:p>
+          <a:p>
+            <a:endParaRPr lang="en-IN" sz="2000" dirty="0">
+              <a:solidFill>
+                <a:srgbClr val="374151"/>
+              </a:solidFill>
+              <a:latin typeface="Söhne"/>
+            </a:endParaRPr>
           </a:p>
         </p:txBody>
       </p:sp>
